--- a/files/teaching-resources/monmouthcollege-econ-300/ECON300-LEC16.pptx
+++ b/files/teaching-resources/monmouthcollege-econ-300/ECON300-LEC16.pptx
@@ -246,7 +246,7 @@
           <a:p>
             <a:fld id="{0E0A6441-4E79-42FF-805B-86C90BDFD38D}" type="datetimeFigureOut">
               <a:rPr lang="en-US" smtClean="0"/>
-              <a:t>10/21/2023</a:t>
+              <a:t>10/22/2023</a:t>
             </a:fld>
             <a:endParaRPr lang="en-US" dirty="0"/>
           </a:p>
@@ -23047,8 +23047,8 @@
           </a:p>
         </p:txBody>
       </p:sp>
-      <mc:AlternateContent xmlns:mc="http://schemas.openxmlformats.org/markup-compatibility/2006" xmlns:a14="http://schemas.microsoft.com/office/drawing/2010/main">
-        <mc:Choice Requires="a14">
+      <mc:AlternateContent xmlns:mc="http://schemas.openxmlformats.org/markup-compatibility/2006">
+        <mc:Choice xmlns:a14="http://schemas.microsoft.com/office/drawing/2010/main" Requires="a14">
           <p:sp>
             <p:nvSpPr>
               <p:cNvPr id="7" name="Content Placeholder 6">
@@ -23547,10 +23547,16 @@
                 </a:pPr>
                 <a:r>
                   <a:rPr lang="en-US" dirty="0"/>
-                  <a:t>When 0&lt;</a:t>
+                  <a:t>When </a:t>
                 </a:r>
                 <a14:m>
                   <m:oMath xmlns:m="http://schemas.openxmlformats.org/officeDocument/2006/math">
+                    <m:r>
+                      <a:rPr lang="en-US" b="0" i="0" smtClean="0">
+                        <a:latin typeface="Cambria Math" panose="02040503050406030204" pitchFamily="18" charset="0"/>
+                      </a:rPr>
+                      <m:t>0&lt;</m:t>
+                    </m:r>
                     <m:sSub>
                       <m:sSubPr>
                         <m:ctrlPr>
@@ -23613,7 +23619,7 @@
             </p:txBody>
           </p:sp>
         </mc:Choice>
-        <mc:Fallback xmlns="">
+        <mc:Fallback>
           <p:sp>
             <p:nvSpPr>
               <p:cNvPr id="7" name="Content Placeholder 6">
@@ -24926,8 +24932,8 @@
           </a:p>
         </p:txBody>
       </p:sp>
-      <mc:AlternateContent xmlns:mc="http://schemas.openxmlformats.org/markup-compatibility/2006">
-        <mc:Choice xmlns:a14="http://schemas.microsoft.com/office/drawing/2010/main" Requires="a14">
+      <mc:AlternateContent xmlns:mc="http://schemas.openxmlformats.org/markup-compatibility/2006" xmlns:a14="http://schemas.microsoft.com/office/drawing/2010/main">
+        <mc:Choice Requires="a14">
           <p:sp>
             <p:nvSpPr>
               <p:cNvPr id="3" name="Content Placeholder 2">
@@ -25418,7 +25424,7 @@
             </p:txBody>
           </p:sp>
         </mc:Choice>
-        <mc:Fallback>
+        <mc:Fallback xmlns="">
           <p:sp>
             <p:nvSpPr>
               <p:cNvPr id="3" name="Content Placeholder 2">
@@ -25603,8 +25609,8 @@
           </a:p>
         </p:txBody>
       </p:sp>
-      <mc:AlternateContent xmlns:mc="http://schemas.openxmlformats.org/markup-compatibility/2006">
-        <mc:Choice xmlns:a14="http://schemas.microsoft.com/office/drawing/2010/main" Requires="a14">
+      <mc:AlternateContent xmlns:mc="http://schemas.openxmlformats.org/markup-compatibility/2006" xmlns:a14="http://schemas.microsoft.com/office/drawing/2010/main">
+        <mc:Choice Requires="a14">
           <p:sp>
             <p:nvSpPr>
               <p:cNvPr id="3" name="Content Placeholder 2">
@@ -25781,7 +25787,7 @@
                     <m:d>
                       <m:dPr>
                         <m:ctrlPr>
-                          <a:rPr lang="en-US" b="0" i="0" smtClean="0">
+                          <a:rPr lang="en-US" b="0" i="1" smtClean="0">
                             <a:latin typeface="Cambria Math" panose="02040503050406030204" pitchFamily="18" charset="0"/>
                           </a:rPr>
                         </m:ctrlPr>
@@ -25883,13 +25889,7 @@
                           <a:rPr lang="en-US" b="0" i="1" smtClean="0">
                             <a:latin typeface="Cambria Math" panose="02040503050406030204" pitchFamily="18" charset="0"/>
                           </a:rPr>
-                          <m:t>&lt;</m:t>
-                        </m:r>
-                        <m:r>
-                          <a:rPr lang="en-US" b="0" i="1" smtClean="0">
-                            <a:latin typeface="Cambria Math" panose="02040503050406030204" pitchFamily="18" charset="0"/>
-                          </a:rPr>
-                          <m:t>0</m:t>
+                          <m:t>&lt;0</m:t>
                         </m:r>
                       </m:e>
                     </m:d>
@@ -25907,7 +25907,7 @@
             </p:txBody>
           </p:sp>
         </mc:Choice>
-        <mc:Fallback>
+        <mc:Fallback xmlns="">
           <p:sp>
             <p:nvSpPr>
               <p:cNvPr id="3" name="Content Placeholder 2">
@@ -26355,8 +26355,8 @@
           </a:xfrm>
         </p:spPr>
       </p:pic>
-      <mc:AlternateContent xmlns:mc="http://schemas.openxmlformats.org/markup-compatibility/2006">
-        <mc:Choice xmlns:a14="http://schemas.microsoft.com/office/drawing/2010/main" Requires="a14">
+      <mc:AlternateContent xmlns:mc="http://schemas.openxmlformats.org/markup-compatibility/2006" xmlns:a14="http://schemas.microsoft.com/office/drawing/2010/main">
+        <mc:Choice Requires="a14">
           <p:sp>
             <p:nvSpPr>
               <p:cNvPr id="4" name="Content Placeholder 3">
@@ -26603,7 +26603,7 @@
             </p:txBody>
           </p:sp>
         </mc:Choice>
-        <mc:Fallback>
+        <mc:Fallback xmlns="">
           <p:sp>
             <p:nvSpPr>
               <p:cNvPr id="4" name="Content Placeholder 3">

--- a/files/teaching-resources/monmouthcollege-econ-300/ECON300-LEC16.pptx
+++ b/files/teaching-resources/monmouthcollege-econ-300/ECON300-LEC16.pptx
@@ -246,7 +246,7 @@
           <a:p>
             <a:fld id="{0E0A6441-4E79-42FF-805B-86C90BDFD38D}" type="datetimeFigureOut">
               <a:rPr lang="en-US" smtClean="0"/>
-              <a:t>10/22/2023</a:t>
+              <a:t>10/23/2023</a:t>
             </a:fld>
             <a:endParaRPr lang="en-US" dirty="0"/>
           </a:p>
@@ -11780,8 +11780,8 @@
           </a:p>
         </p:txBody>
       </p:sp>
-      <mc:AlternateContent xmlns:mc="http://schemas.openxmlformats.org/markup-compatibility/2006" xmlns:a14="http://schemas.microsoft.com/office/drawing/2010/main">
-        <mc:Choice Requires="a14">
+      <mc:AlternateContent xmlns:mc="http://schemas.openxmlformats.org/markup-compatibility/2006">
+        <mc:Choice xmlns:a14="http://schemas.microsoft.com/office/drawing/2010/main" Requires="a14">
           <p:sp>
             <p:nvSpPr>
               <p:cNvPr id="4" name="Content Placeholder 3">
@@ -11805,7 +11805,7 @@
               <a:p>
                 <a:r>
                   <a:rPr lang="en-US" dirty="0"/>
-                  <a:t>Interpreting imbalances…</a:t>
+                  <a:t>Condition for optimality…</a:t>
                 </a:r>
               </a:p>
               <a:p>
@@ -11939,7 +11939,7 @@
             </p:txBody>
           </p:sp>
         </mc:Choice>
-        <mc:Fallback xmlns="">
+        <mc:Fallback>
           <p:sp>
             <p:nvSpPr>
               <p:cNvPr id="4" name="Content Placeholder 3">
@@ -23047,8 +23047,8 @@
           </a:p>
         </p:txBody>
       </p:sp>
-      <mc:AlternateContent xmlns:mc="http://schemas.openxmlformats.org/markup-compatibility/2006">
-        <mc:Choice xmlns:a14="http://schemas.microsoft.com/office/drawing/2010/main" Requires="a14">
+      <mc:AlternateContent xmlns:mc="http://schemas.openxmlformats.org/markup-compatibility/2006" xmlns:a14="http://schemas.microsoft.com/office/drawing/2010/main">
+        <mc:Choice Requires="a14">
           <p:sp>
             <p:nvSpPr>
               <p:cNvPr id="7" name="Content Placeholder 6">
@@ -23619,7 +23619,7 @@
             </p:txBody>
           </p:sp>
         </mc:Choice>
-        <mc:Fallback>
+        <mc:Fallback xmlns="">
           <p:sp>
             <p:nvSpPr>
               <p:cNvPr id="7" name="Content Placeholder 6">
